--- a/Assignment 3 power point new.pptx
+++ b/Assignment 3 power point new.pptx
@@ -109,6 +109,11 @@
       </a:defRPr>
     </a:lvl9pPr>
   </p:defaultTextStyle>
+  <p:extLst>
+    <p:ext uri="{EFAFB233-063F-42B5-8137-9DF3F51BA10A}">
+      <p15:sldGuideLst xmlns:p15="http://schemas.microsoft.com/office/powerpoint/2012/main"/>
+    </p:ext>
+  </p:extLst>
 </p:presentation>
 </file>
 
@@ -519,7 +524,7 @@
           <a:noFill/>
           <a:extLst>
             <a:ext uri="{909E8E84-426E-40dd-AFC4-6F175D3DCCD1}">
-              <a14:hiddenFill xmlns:a14="http://schemas.microsoft.com/office/drawing/2010/main" xmlns="">
+              <a14:hiddenFill xmlns="" xmlns:a14="http://schemas.microsoft.com/office/drawing/2010/main">
                 <a:solidFill>
                   <a:srgbClr val="FFFFFF"/>
                 </a:solidFill>
@@ -578,7 +583,7 @@
             </a:ln>
             <a:extLst>
               <a:ext uri="{91240B29-F687-4f45-9708-019B960494DF}">
-                <a14:hiddenLine xmlns:a14="http://schemas.microsoft.com/office/drawing/2010/main" xmlns="" w="9525">
+                <a14:hiddenLine xmlns="" xmlns:a14="http://schemas.microsoft.com/office/drawing/2010/main" w="9525">
                   <a:solidFill>
                     <a:srgbClr val="000000"/>
                   </a:solidFill>
@@ -668,7 +673,7 @@
             </a:ln>
             <a:extLst>
               <a:ext uri="{91240B29-F687-4f45-9708-019B960494DF}">
-                <a14:hiddenLine xmlns:a14="http://schemas.microsoft.com/office/drawing/2010/main" xmlns="" w="9525">
+                <a14:hiddenLine xmlns="" xmlns:a14="http://schemas.microsoft.com/office/drawing/2010/main" w="9525">
                   <a:solidFill>
                     <a:srgbClr val="000000"/>
                   </a:solidFill>
@@ -758,7 +763,7 @@
             </a:ln>
             <a:extLst>
               <a:ext uri="{91240B29-F687-4f45-9708-019B960494DF}">
-                <a14:hiddenLine xmlns:a14="http://schemas.microsoft.com/office/drawing/2010/main" xmlns="" w="9525">
+                <a14:hiddenLine xmlns="" xmlns:a14="http://schemas.microsoft.com/office/drawing/2010/main" w="9525">
                   <a:solidFill>
                     <a:srgbClr val="000000"/>
                   </a:solidFill>
@@ -792,7 +797,7 @@
             </a:ln>
             <a:extLst>
               <a:ext uri="{91240B29-F687-4f45-9708-019B960494DF}">
-                <a14:hiddenLine xmlns:a14="http://schemas.microsoft.com/office/drawing/2010/main" xmlns="" w="9525">
+                <a14:hiddenLine xmlns="" xmlns:a14="http://schemas.microsoft.com/office/drawing/2010/main" w="9525">
                   <a:solidFill>
                     <a:srgbClr val="000000"/>
                   </a:solidFill>
@@ -882,7 +887,7 @@
             </a:ln>
             <a:extLst>
               <a:ext uri="{91240B29-F687-4f45-9708-019B960494DF}">
-                <a14:hiddenLine xmlns:a14="http://schemas.microsoft.com/office/drawing/2010/main" xmlns="" w="9525">
+                <a14:hiddenLine xmlns="" xmlns:a14="http://schemas.microsoft.com/office/drawing/2010/main" w="9525">
                   <a:solidFill>
                     <a:srgbClr val="000000"/>
                   </a:solidFill>
@@ -944,7 +949,7 @@
             </a:ln>
             <a:extLst>
               <a:ext uri="{91240B29-F687-4f45-9708-019B960494DF}">
-                <a14:hiddenLine xmlns:a14="http://schemas.microsoft.com/office/drawing/2010/main" xmlns="" w="9525">
+                <a14:hiddenLine xmlns="" xmlns:a14="http://schemas.microsoft.com/office/drawing/2010/main" w="9525">
                   <a:solidFill>
                     <a:srgbClr val="000000"/>
                   </a:solidFill>
@@ -1006,7 +1011,7 @@
             </a:ln>
             <a:extLst>
               <a:ext uri="{91240B29-F687-4f45-9708-019B960494DF}">
-                <a14:hiddenLine xmlns:a14="http://schemas.microsoft.com/office/drawing/2010/main" xmlns="" w="9525">
+                <a14:hiddenLine xmlns="" xmlns:a14="http://schemas.microsoft.com/office/drawing/2010/main" w="9525">
                   <a:solidFill>
                     <a:srgbClr val="000000"/>
                   </a:solidFill>
@@ -1096,7 +1101,7 @@
             </a:ln>
             <a:extLst>
               <a:ext uri="{91240B29-F687-4f45-9708-019B960494DF}">
-                <a14:hiddenLine xmlns:a14="http://schemas.microsoft.com/office/drawing/2010/main" xmlns="" w="9525">
+                <a14:hiddenLine xmlns="" xmlns:a14="http://schemas.microsoft.com/office/drawing/2010/main" w="9525">
                   <a:solidFill>
                     <a:srgbClr val="000000"/>
                   </a:solidFill>
@@ -1158,7 +1163,7 @@
             </a:ln>
             <a:extLst>
               <a:ext uri="{91240B29-F687-4f45-9708-019B960494DF}">
-                <a14:hiddenLine xmlns:a14="http://schemas.microsoft.com/office/drawing/2010/main" xmlns="" w="9525">
+                <a14:hiddenLine xmlns="" xmlns:a14="http://schemas.microsoft.com/office/drawing/2010/main" w="9525">
                   <a:solidFill>
                     <a:srgbClr val="000000"/>
                   </a:solidFill>
@@ -1220,7 +1225,7 @@
             </a:ln>
             <a:extLst>
               <a:ext uri="{91240B29-F687-4f45-9708-019B960494DF}">
-                <a14:hiddenLine xmlns:a14="http://schemas.microsoft.com/office/drawing/2010/main" xmlns="" w="9525">
+                <a14:hiddenLine xmlns="" xmlns:a14="http://schemas.microsoft.com/office/drawing/2010/main" w="9525">
                   <a:solidFill>
                     <a:srgbClr val="000000"/>
                   </a:solidFill>
@@ -1310,7 +1315,7 @@
             </a:ln>
             <a:extLst>
               <a:ext uri="{91240B29-F687-4f45-9708-019B960494DF}">
-                <a14:hiddenLine xmlns:a14="http://schemas.microsoft.com/office/drawing/2010/main" xmlns="" w="9525">
+                <a14:hiddenLine xmlns="" xmlns:a14="http://schemas.microsoft.com/office/drawing/2010/main" w="9525">
                   <a:solidFill>
                     <a:srgbClr val="000000"/>
                   </a:solidFill>
@@ -1400,7 +1405,7 @@
             </a:ln>
             <a:extLst>
               <a:ext uri="{91240B29-F687-4f45-9708-019B960494DF}">
-                <a14:hiddenLine xmlns:a14="http://schemas.microsoft.com/office/drawing/2010/main" xmlns="" w="9525">
+                <a14:hiddenLine xmlns="" xmlns:a14="http://schemas.microsoft.com/office/drawing/2010/main" w="9525">
                   <a:solidFill>
                     <a:srgbClr val="000000"/>
                   </a:solidFill>
@@ -1462,7 +1467,7 @@
             </a:ln>
             <a:extLst>
               <a:ext uri="{91240B29-F687-4f45-9708-019B960494DF}">
-                <a14:hiddenLine xmlns:a14="http://schemas.microsoft.com/office/drawing/2010/main" xmlns="" w="9525">
+                <a14:hiddenLine xmlns="" xmlns:a14="http://schemas.microsoft.com/office/drawing/2010/main" w="9525">
                   <a:solidFill>
                     <a:srgbClr val="000000"/>
                   </a:solidFill>
@@ -1572,7 +1577,7 @@
             </a:ln>
             <a:extLst>
               <a:ext uri="{91240B29-F687-4f45-9708-019B960494DF}">
-                <a14:hiddenLine xmlns:a14="http://schemas.microsoft.com/office/drawing/2010/main" xmlns="" w="9525">
+                <a14:hiddenLine xmlns="" xmlns:a14="http://schemas.microsoft.com/office/drawing/2010/main" w="9525">
                   <a:solidFill>
                     <a:srgbClr val="000000"/>
                   </a:solidFill>
@@ -1634,7 +1639,7 @@
             </a:ln>
             <a:extLst>
               <a:ext uri="{91240B29-F687-4f45-9708-019B960494DF}">
-                <a14:hiddenLine xmlns:a14="http://schemas.microsoft.com/office/drawing/2010/main" xmlns="" w="9525">
+                <a14:hiddenLine xmlns="" xmlns:a14="http://schemas.microsoft.com/office/drawing/2010/main" w="9525">
                   <a:solidFill>
                     <a:srgbClr val="000000"/>
                   </a:solidFill>
@@ -1724,7 +1729,7 @@
             </a:ln>
             <a:extLst>
               <a:ext uri="{91240B29-F687-4f45-9708-019B960494DF}">
-                <a14:hiddenLine xmlns:a14="http://schemas.microsoft.com/office/drawing/2010/main" xmlns="" w="9525">
+                <a14:hiddenLine xmlns="" xmlns:a14="http://schemas.microsoft.com/office/drawing/2010/main" w="9525">
                   <a:solidFill>
                     <a:srgbClr val="000000"/>
                   </a:solidFill>
@@ -1814,7 +1819,7 @@
             </a:ln>
             <a:extLst>
               <a:ext uri="{91240B29-F687-4f45-9708-019B960494DF}">
-                <a14:hiddenLine xmlns:a14="http://schemas.microsoft.com/office/drawing/2010/main" xmlns="" w="9525">
+                <a14:hiddenLine xmlns="" xmlns:a14="http://schemas.microsoft.com/office/drawing/2010/main" w="9525">
                   <a:solidFill>
                     <a:srgbClr val="000000"/>
                   </a:solidFill>
@@ -1876,7 +1881,7 @@
             </a:ln>
             <a:extLst>
               <a:ext uri="{91240B29-F687-4f45-9708-019B960494DF}">
-                <a14:hiddenLine xmlns:a14="http://schemas.microsoft.com/office/drawing/2010/main" xmlns="" w="9525">
+                <a14:hiddenLine xmlns="" xmlns:a14="http://schemas.microsoft.com/office/drawing/2010/main" w="9525">
                   <a:solidFill>
                     <a:srgbClr val="000000"/>
                   </a:solidFill>
@@ -1966,7 +1971,7 @@
             </a:ln>
             <a:extLst>
               <a:ext uri="{91240B29-F687-4f45-9708-019B960494DF}">
-                <a14:hiddenLine xmlns:a14="http://schemas.microsoft.com/office/drawing/2010/main" xmlns="" w="9525">
+                <a14:hiddenLine xmlns="" xmlns:a14="http://schemas.microsoft.com/office/drawing/2010/main" w="9525">
                   <a:solidFill>
                     <a:srgbClr val="000000"/>
                   </a:solidFill>
@@ -2056,7 +2061,7 @@
             </a:ln>
             <a:extLst>
               <a:ext uri="{91240B29-F687-4f45-9708-019B960494DF}">
-                <a14:hiddenLine xmlns:a14="http://schemas.microsoft.com/office/drawing/2010/main" xmlns="" w="9525">
+                <a14:hiddenLine xmlns="" xmlns:a14="http://schemas.microsoft.com/office/drawing/2010/main" w="9525">
                   <a:solidFill>
                     <a:srgbClr val="000000"/>
                   </a:solidFill>
@@ -2112,7 +2117,7 @@
             </a:ln>
             <a:extLst>
               <a:ext uri="{91240B29-F687-4f45-9708-019B960494DF}">
-                <a14:hiddenLine xmlns:a14="http://schemas.microsoft.com/office/drawing/2010/main" xmlns="" w="9525">
+                <a14:hiddenLine xmlns="" xmlns:a14="http://schemas.microsoft.com/office/drawing/2010/main" w="9525">
                   <a:solidFill>
                     <a:srgbClr val="000000"/>
                   </a:solidFill>
@@ -2202,7 +2207,7 @@
             </a:ln>
             <a:extLst>
               <a:ext uri="{91240B29-F687-4f45-9708-019B960494DF}">
-                <a14:hiddenLine xmlns:a14="http://schemas.microsoft.com/office/drawing/2010/main" xmlns="" w="9525">
+                <a14:hiddenLine xmlns="" xmlns:a14="http://schemas.microsoft.com/office/drawing/2010/main" w="9525">
                   <a:solidFill>
                     <a:srgbClr val="000000"/>
                   </a:solidFill>
@@ -2258,7 +2263,7 @@
             </a:ln>
             <a:extLst>
               <a:ext uri="{91240B29-F687-4f45-9708-019B960494DF}">
-                <a14:hiddenLine xmlns:a14="http://schemas.microsoft.com/office/drawing/2010/main" xmlns="" w="9525">
+                <a14:hiddenLine xmlns="" xmlns:a14="http://schemas.microsoft.com/office/drawing/2010/main" w="9525">
                   <a:solidFill>
                     <a:srgbClr val="000000"/>
                   </a:solidFill>
@@ -2348,7 +2353,7 @@
             </a:ln>
             <a:extLst>
               <a:ext uri="{91240B29-F687-4f45-9708-019B960494DF}">
-                <a14:hiddenLine xmlns:a14="http://schemas.microsoft.com/office/drawing/2010/main" xmlns="" w="9525">
+                <a14:hiddenLine xmlns="" xmlns:a14="http://schemas.microsoft.com/office/drawing/2010/main" w="9525">
                   <a:solidFill>
                     <a:srgbClr val="000000"/>
                   </a:solidFill>
@@ -2416,7 +2421,7 @@
             </a:ln>
             <a:extLst>
               <a:ext uri="{91240B29-F687-4f45-9708-019B960494DF}">
-                <a14:hiddenLine xmlns:a14="http://schemas.microsoft.com/office/drawing/2010/main" xmlns="" w="9525">
+                <a14:hiddenLine xmlns="" xmlns:a14="http://schemas.microsoft.com/office/drawing/2010/main" w="9525">
                   <a:solidFill>
                     <a:srgbClr val="000000"/>
                   </a:solidFill>
@@ -2506,7 +2511,7 @@
             </a:ln>
             <a:extLst>
               <a:ext uri="{91240B29-F687-4f45-9708-019B960494DF}">
-                <a14:hiddenLine xmlns:a14="http://schemas.microsoft.com/office/drawing/2010/main" xmlns="" w="9525">
+                <a14:hiddenLine xmlns="" xmlns:a14="http://schemas.microsoft.com/office/drawing/2010/main" w="9525">
                   <a:solidFill>
                     <a:srgbClr val="000000"/>
                   </a:solidFill>
@@ -2574,7 +2579,7 @@
             </a:ln>
             <a:extLst>
               <a:ext uri="{91240B29-F687-4f45-9708-019B960494DF}">
-                <a14:hiddenLine xmlns:a14="http://schemas.microsoft.com/office/drawing/2010/main" xmlns="" w="9525">
+                <a14:hiddenLine xmlns="" xmlns:a14="http://schemas.microsoft.com/office/drawing/2010/main" w="9525">
                   <a:solidFill>
                     <a:srgbClr val="000000"/>
                   </a:solidFill>
@@ -2664,7 +2669,7 @@
             </a:ln>
             <a:extLst>
               <a:ext uri="{91240B29-F687-4f45-9708-019B960494DF}">
-                <a14:hiddenLine xmlns:a14="http://schemas.microsoft.com/office/drawing/2010/main" xmlns="" w="9525">
+                <a14:hiddenLine xmlns="" xmlns:a14="http://schemas.microsoft.com/office/drawing/2010/main" w="9525">
                   <a:solidFill>
                     <a:srgbClr val="000000"/>
                   </a:solidFill>
@@ -2698,7 +2703,7 @@
             </a:ln>
             <a:extLst>
               <a:ext uri="{91240B29-F687-4f45-9708-019B960494DF}">
-                <a14:hiddenLine xmlns:a14="http://schemas.microsoft.com/office/drawing/2010/main" xmlns="" w="9525">
+                <a14:hiddenLine xmlns="" xmlns:a14="http://schemas.microsoft.com/office/drawing/2010/main" w="9525">
                   <a:solidFill>
                     <a:srgbClr val="000000"/>
                   </a:solidFill>
@@ -2788,7 +2793,7 @@
             </a:ln>
             <a:extLst>
               <a:ext uri="{91240B29-F687-4f45-9708-019B960494DF}">
-                <a14:hiddenLine xmlns:a14="http://schemas.microsoft.com/office/drawing/2010/main" xmlns="" w="9525">
+                <a14:hiddenLine xmlns="" xmlns:a14="http://schemas.microsoft.com/office/drawing/2010/main" w="9525">
                   <a:solidFill>
                     <a:srgbClr val="000000"/>
                   </a:solidFill>
@@ -2850,7 +2855,7 @@
             </a:ln>
             <a:extLst>
               <a:ext uri="{91240B29-F687-4f45-9708-019B960494DF}">
-                <a14:hiddenLine xmlns:a14="http://schemas.microsoft.com/office/drawing/2010/main" xmlns="" w="9525">
+                <a14:hiddenLine xmlns="" xmlns:a14="http://schemas.microsoft.com/office/drawing/2010/main" w="9525">
                   <a:solidFill>
                     <a:srgbClr val="000000"/>
                   </a:solidFill>
@@ -2912,7 +2917,7 @@
             </a:ln>
             <a:extLst>
               <a:ext uri="{91240B29-F687-4f45-9708-019B960494DF}">
-                <a14:hiddenLine xmlns:a14="http://schemas.microsoft.com/office/drawing/2010/main" xmlns="" w="9525">
+                <a14:hiddenLine xmlns="" xmlns:a14="http://schemas.microsoft.com/office/drawing/2010/main" w="9525">
                   <a:solidFill>
                     <a:srgbClr val="000000"/>
                   </a:solidFill>
@@ -3002,7 +3007,7 @@
             </a:ln>
             <a:extLst>
               <a:ext uri="{91240B29-F687-4f45-9708-019B960494DF}">
-                <a14:hiddenLine xmlns:a14="http://schemas.microsoft.com/office/drawing/2010/main" xmlns="" w="9525">
+                <a14:hiddenLine xmlns="" xmlns:a14="http://schemas.microsoft.com/office/drawing/2010/main" w="9525">
                   <a:solidFill>
                     <a:srgbClr val="000000"/>
                   </a:solidFill>
@@ -3070,7 +3075,7 @@
             </a:ln>
             <a:extLst>
               <a:ext uri="{91240B29-F687-4f45-9708-019B960494DF}">
-                <a14:hiddenLine xmlns:a14="http://schemas.microsoft.com/office/drawing/2010/main" xmlns="" w="9525">
+                <a14:hiddenLine xmlns="" xmlns:a14="http://schemas.microsoft.com/office/drawing/2010/main" w="9525">
                   <a:solidFill>
                     <a:srgbClr val="000000"/>
                   </a:solidFill>
@@ -3132,7 +3137,7 @@
             </a:ln>
             <a:extLst>
               <a:ext uri="{91240B29-F687-4f45-9708-019B960494DF}">
-                <a14:hiddenLine xmlns:a14="http://schemas.microsoft.com/office/drawing/2010/main" xmlns="" w="9525">
+                <a14:hiddenLine xmlns="" xmlns:a14="http://schemas.microsoft.com/office/drawing/2010/main" w="9525">
                   <a:solidFill>
                     <a:srgbClr val="000000"/>
                   </a:solidFill>
@@ -3222,7 +3227,7 @@
             </a:ln>
             <a:extLst>
               <a:ext uri="{91240B29-F687-4f45-9708-019B960494DF}">
-                <a14:hiddenLine xmlns:a14="http://schemas.microsoft.com/office/drawing/2010/main" xmlns="" w="9525">
+                <a14:hiddenLine xmlns="" xmlns:a14="http://schemas.microsoft.com/office/drawing/2010/main" w="9525">
                   <a:solidFill>
                     <a:srgbClr val="000000"/>
                   </a:solidFill>
@@ -3284,7 +3289,7 @@
             </a:ln>
             <a:extLst>
               <a:ext uri="{91240B29-F687-4f45-9708-019B960494DF}">
-                <a14:hiddenLine xmlns:a14="http://schemas.microsoft.com/office/drawing/2010/main" xmlns="" w="9525">
+                <a14:hiddenLine xmlns="" xmlns:a14="http://schemas.microsoft.com/office/drawing/2010/main" w="9525">
                   <a:solidFill>
                     <a:srgbClr val="000000"/>
                   </a:solidFill>
@@ -3374,7 +3379,7 @@
             </a:ln>
             <a:extLst>
               <a:ext uri="{91240B29-F687-4f45-9708-019B960494DF}">
-                <a14:hiddenLine xmlns:a14="http://schemas.microsoft.com/office/drawing/2010/main" xmlns="" w="9525">
+                <a14:hiddenLine xmlns="" xmlns:a14="http://schemas.microsoft.com/office/drawing/2010/main" w="9525">
                   <a:solidFill>
                     <a:srgbClr val="000000"/>
                   </a:solidFill>
@@ -3436,7 +3441,7 @@
             </a:ln>
             <a:extLst>
               <a:ext uri="{91240B29-F687-4f45-9708-019B960494DF}">
-                <a14:hiddenLine xmlns:a14="http://schemas.microsoft.com/office/drawing/2010/main" xmlns="" w="9525">
+                <a14:hiddenLine xmlns="" xmlns:a14="http://schemas.microsoft.com/office/drawing/2010/main" w="9525">
                   <a:solidFill>
                     <a:srgbClr val="000000"/>
                   </a:solidFill>
@@ -3526,7 +3531,7 @@
             </a:ln>
             <a:extLst>
               <a:ext uri="{91240B29-F687-4f45-9708-019B960494DF}">
-                <a14:hiddenLine xmlns:a14="http://schemas.microsoft.com/office/drawing/2010/main" xmlns="" w="9525">
+                <a14:hiddenLine xmlns="" xmlns:a14="http://schemas.microsoft.com/office/drawing/2010/main" w="9525">
                   <a:solidFill>
                     <a:srgbClr val="000000"/>
                   </a:solidFill>
@@ -3560,7 +3565,7 @@
             </a:ln>
             <a:extLst>
               <a:ext uri="{91240B29-F687-4f45-9708-019B960494DF}">
-                <a14:hiddenLine xmlns:a14="http://schemas.microsoft.com/office/drawing/2010/main" xmlns="" w="9525">
+                <a14:hiddenLine xmlns="" xmlns:a14="http://schemas.microsoft.com/office/drawing/2010/main" w="9525">
                   <a:solidFill>
                     <a:srgbClr val="000000"/>
                   </a:solidFill>
@@ -3625,7 +3630,7 @@
             </a:ln>
             <a:extLst>
               <a:ext uri="{91240B29-F687-4f45-9708-019B960494DF}">
-                <a14:hiddenLine xmlns:a14="http://schemas.microsoft.com/office/drawing/2010/main" xmlns="" w="9525">
+                <a14:hiddenLine xmlns="" xmlns:a14="http://schemas.microsoft.com/office/drawing/2010/main" w="9525">
                   <a:solidFill>
                     <a:srgbClr val="000000"/>
                   </a:solidFill>
@@ -3715,7 +3720,7 @@
             </a:ln>
             <a:extLst>
               <a:ext uri="{91240B29-F687-4f45-9708-019B960494DF}">
-                <a14:hiddenLine xmlns:a14="http://schemas.microsoft.com/office/drawing/2010/main" xmlns="" w="9525">
+                <a14:hiddenLine xmlns="" xmlns:a14="http://schemas.microsoft.com/office/drawing/2010/main" w="9525">
                   <a:solidFill>
                     <a:srgbClr val="000000"/>
                   </a:solidFill>
@@ -3777,7 +3782,7 @@
             </a:ln>
             <a:extLst>
               <a:ext uri="{91240B29-F687-4f45-9708-019B960494DF}">
-                <a14:hiddenLine xmlns:a14="http://schemas.microsoft.com/office/drawing/2010/main" xmlns="" w="9525">
+                <a14:hiddenLine xmlns="" xmlns:a14="http://schemas.microsoft.com/office/drawing/2010/main" w="9525">
                   <a:solidFill>
                     <a:srgbClr val="000000"/>
                   </a:solidFill>
@@ -3867,7 +3872,7 @@
             </a:ln>
             <a:extLst>
               <a:ext uri="{91240B29-F687-4f45-9708-019B960494DF}">
-                <a14:hiddenLine xmlns:a14="http://schemas.microsoft.com/office/drawing/2010/main" xmlns="" w="9525">
+                <a14:hiddenLine xmlns="" xmlns:a14="http://schemas.microsoft.com/office/drawing/2010/main" w="9525">
                   <a:solidFill>
                     <a:srgbClr val="000000"/>
                   </a:solidFill>
@@ -3957,7 +3962,7 @@
             </a:ln>
             <a:extLst>
               <a:ext uri="{91240B29-F687-4f45-9708-019B960494DF}">
-                <a14:hiddenLine xmlns:a14="http://schemas.microsoft.com/office/drawing/2010/main" xmlns="" w="9525">
+                <a14:hiddenLine xmlns="" xmlns:a14="http://schemas.microsoft.com/office/drawing/2010/main" w="9525">
                   <a:solidFill>
                     <a:srgbClr val="000000"/>
                   </a:solidFill>
@@ -4022,7 +4027,7 @@
             </a:ln>
             <a:extLst>
               <a:ext uri="{91240B29-F687-4f45-9708-019B960494DF}">
-                <a14:hiddenLine xmlns:a14="http://schemas.microsoft.com/office/drawing/2010/main" xmlns="" w="9525">
+                <a14:hiddenLine xmlns="" xmlns:a14="http://schemas.microsoft.com/office/drawing/2010/main" w="9525">
                   <a:solidFill>
                     <a:srgbClr val="000000"/>
                   </a:solidFill>
@@ -4084,7 +4089,7 @@
             </a:ln>
             <a:extLst>
               <a:ext uri="{91240B29-F687-4f45-9708-019B960494DF}">
-                <a14:hiddenLine xmlns:a14="http://schemas.microsoft.com/office/drawing/2010/main" xmlns="" w="9525">
+                <a14:hiddenLine xmlns="" xmlns:a14="http://schemas.microsoft.com/office/drawing/2010/main" w="9525">
                   <a:solidFill>
                     <a:srgbClr val="000000"/>
                   </a:solidFill>
@@ -4174,7 +4179,7 @@
             </a:ln>
             <a:extLst>
               <a:ext uri="{91240B29-F687-4f45-9708-019B960494DF}">
-                <a14:hiddenLine xmlns:a14="http://schemas.microsoft.com/office/drawing/2010/main" xmlns="" w="9525">
+                <a14:hiddenLine xmlns="" xmlns:a14="http://schemas.microsoft.com/office/drawing/2010/main" w="9525">
                   <a:solidFill>
                     <a:srgbClr val="000000"/>
                   </a:solidFill>
@@ -4264,7 +4269,7 @@
             </a:ln>
             <a:extLst>
               <a:ext uri="{91240B29-F687-4f45-9708-019B960494DF}">
-                <a14:hiddenLine xmlns:a14="http://schemas.microsoft.com/office/drawing/2010/main" xmlns="" w="9525">
+                <a14:hiddenLine xmlns="" xmlns:a14="http://schemas.microsoft.com/office/drawing/2010/main" w="9525">
                   <a:solidFill>
                     <a:srgbClr val="000000"/>
                   </a:solidFill>
@@ -4326,7 +4331,7 @@
             </a:ln>
             <a:extLst>
               <a:ext uri="{91240B29-F687-4f45-9708-019B960494DF}">
-                <a14:hiddenLine xmlns:a14="http://schemas.microsoft.com/office/drawing/2010/main" xmlns="" w="9525">
+                <a14:hiddenLine xmlns="" xmlns:a14="http://schemas.microsoft.com/office/drawing/2010/main" w="9525">
                   <a:solidFill>
                     <a:srgbClr val="000000"/>
                   </a:solidFill>
@@ -4446,7 +4451,7 @@
             </a:ln>
             <a:extLst>
               <a:ext uri="{91240B29-F687-4f45-9708-019B960494DF}">
-                <a14:hiddenLine xmlns:a14="http://schemas.microsoft.com/office/drawing/2010/main" xmlns="" w="9525">
+                <a14:hiddenLine xmlns="" xmlns:a14="http://schemas.microsoft.com/office/drawing/2010/main" w="9525">
                   <a:solidFill>
                     <a:srgbClr val="000000"/>
                   </a:solidFill>
@@ -4514,7 +4519,7 @@
             </a:ln>
             <a:extLst>
               <a:ext uri="{91240B29-F687-4f45-9708-019B960494DF}">
-                <a14:hiddenLine xmlns:a14="http://schemas.microsoft.com/office/drawing/2010/main" xmlns="" w="9525">
+                <a14:hiddenLine xmlns="" xmlns:a14="http://schemas.microsoft.com/office/drawing/2010/main" w="9525">
                   <a:solidFill>
                     <a:srgbClr val="000000"/>
                   </a:solidFill>
@@ -4604,7 +4609,7 @@
             </a:ln>
             <a:extLst>
               <a:ext uri="{91240B29-F687-4f45-9708-019B960494DF}">
-                <a14:hiddenLine xmlns:a14="http://schemas.microsoft.com/office/drawing/2010/main" xmlns="" w="9525">
+                <a14:hiddenLine xmlns="" xmlns:a14="http://schemas.microsoft.com/office/drawing/2010/main" w="9525">
                   <a:solidFill>
                     <a:srgbClr val="000000"/>
                   </a:solidFill>
@@ -9333,7 +9338,7 @@
           <a:noFill/>
           <a:extLst>
             <a:ext uri="{909E8E84-426E-40dd-AFC4-6F175D3DCCD1}">
-              <a14:hiddenFill xmlns:a14="http://schemas.microsoft.com/office/drawing/2010/main" xmlns="">
+              <a14:hiddenFill xmlns="" xmlns:a14="http://schemas.microsoft.com/office/drawing/2010/main">
                 <a:solidFill>
                   <a:srgbClr val="FFFFFF"/>
                 </a:solidFill>
@@ -9407,7 +9412,7 @@
               </a:ln>
               <a:extLst>
                 <a:ext uri="{91240B29-F687-4f45-9708-019B960494DF}">
-                  <a14:hiddenLine xmlns:a14="http://schemas.microsoft.com/office/drawing/2010/main" xmlns="" w="9525">
+                  <a14:hiddenLine xmlns="" xmlns:a14="http://schemas.microsoft.com/office/drawing/2010/main" w="9525">
                     <a:solidFill>
                       <a:srgbClr val="000000"/>
                     </a:solidFill>
@@ -9497,7 +9502,7 @@
               </a:ln>
               <a:extLst>
                 <a:ext uri="{91240B29-F687-4f45-9708-019B960494DF}">
-                  <a14:hiddenLine xmlns:a14="http://schemas.microsoft.com/office/drawing/2010/main" xmlns="" w="9525">
+                  <a14:hiddenLine xmlns="" xmlns:a14="http://schemas.microsoft.com/office/drawing/2010/main" w="9525">
                     <a:solidFill>
                       <a:srgbClr val="000000"/>
                     </a:solidFill>
@@ -9587,7 +9592,7 @@
               </a:ln>
               <a:extLst>
                 <a:ext uri="{91240B29-F687-4f45-9708-019B960494DF}">
-                  <a14:hiddenLine xmlns:a14="http://schemas.microsoft.com/office/drawing/2010/main" xmlns="" w="9525">
+                  <a14:hiddenLine xmlns="" xmlns:a14="http://schemas.microsoft.com/office/drawing/2010/main" w="9525">
                     <a:solidFill>
                       <a:srgbClr val="000000"/>
                     </a:solidFill>
@@ -9649,7 +9654,7 @@
               </a:ln>
               <a:extLst>
                 <a:ext uri="{91240B29-F687-4f45-9708-019B960494DF}">
-                  <a14:hiddenLine xmlns:a14="http://schemas.microsoft.com/office/drawing/2010/main" xmlns="" w="9525">
+                  <a14:hiddenLine xmlns="" xmlns:a14="http://schemas.microsoft.com/office/drawing/2010/main" w="9525">
                     <a:solidFill>
                       <a:srgbClr val="000000"/>
                     </a:solidFill>
@@ -9739,7 +9744,7 @@
               </a:ln>
               <a:extLst>
                 <a:ext uri="{91240B29-F687-4f45-9708-019B960494DF}">
-                  <a14:hiddenLine xmlns:a14="http://schemas.microsoft.com/office/drawing/2010/main" xmlns="" w="9525">
+                  <a14:hiddenLine xmlns="" xmlns:a14="http://schemas.microsoft.com/office/drawing/2010/main" w="9525">
                     <a:solidFill>
                       <a:srgbClr val="000000"/>
                     </a:solidFill>
@@ -9801,7 +9806,7 @@
               </a:ln>
               <a:extLst>
                 <a:ext uri="{91240B29-F687-4f45-9708-019B960494DF}">
-                  <a14:hiddenLine xmlns:a14="http://schemas.microsoft.com/office/drawing/2010/main" xmlns="" w="9525">
+                  <a14:hiddenLine xmlns="" xmlns:a14="http://schemas.microsoft.com/office/drawing/2010/main" w="9525">
                     <a:solidFill>
                       <a:srgbClr val="000000"/>
                     </a:solidFill>
@@ -9863,7 +9868,7 @@
               </a:ln>
               <a:extLst>
                 <a:ext uri="{91240B29-F687-4f45-9708-019B960494DF}">
-                  <a14:hiddenLine xmlns:a14="http://schemas.microsoft.com/office/drawing/2010/main" xmlns="" w="9525">
+                  <a14:hiddenLine xmlns="" xmlns:a14="http://schemas.microsoft.com/office/drawing/2010/main" w="9525">
                     <a:solidFill>
                       <a:srgbClr val="000000"/>
                     </a:solidFill>
@@ -9953,7 +9958,7 @@
               </a:ln>
               <a:extLst>
                 <a:ext uri="{91240B29-F687-4f45-9708-019B960494DF}">
-                  <a14:hiddenLine xmlns:a14="http://schemas.microsoft.com/office/drawing/2010/main" xmlns="" w="9525">
+                  <a14:hiddenLine xmlns="" xmlns:a14="http://schemas.microsoft.com/office/drawing/2010/main" w="9525">
                     <a:solidFill>
                       <a:srgbClr val="000000"/>
                     </a:solidFill>
@@ -10043,7 +10048,7 @@
               </a:ln>
               <a:extLst>
                 <a:ext uri="{91240B29-F687-4f45-9708-019B960494DF}">
-                  <a14:hiddenLine xmlns:a14="http://schemas.microsoft.com/office/drawing/2010/main" xmlns="" w="9525">
+                  <a14:hiddenLine xmlns="" xmlns:a14="http://schemas.microsoft.com/office/drawing/2010/main" w="9525">
                     <a:solidFill>
                       <a:srgbClr val="000000"/>
                     </a:solidFill>
@@ -10105,7 +10110,7 @@
               </a:ln>
               <a:extLst>
                 <a:ext uri="{91240B29-F687-4f45-9708-019B960494DF}">
-                  <a14:hiddenLine xmlns:a14="http://schemas.microsoft.com/office/drawing/2010/main" xmlns="" w="9525">
+                  <a14:hiddenLine xmlns="" xmlns:a14="http://schemas.microsoft.com/office/drawing/2010/main" w="9525">
                     <a:solidFill>
                       <a:srgbClr val="000000"/>
                     </a:solidFill>
@@ -10215,7 +10220,7 @@
               </a:ln>
               <a:extLst>
                 <a:ext uri="{91240B29-F687-4f45-9708-019B960494DF}">
-                  <a14:hiddenLine xmlns:a14="http://schemas.microsoft.com/office/drawing/2010/main" xmlns="" w="9525">
+                  <a14:hiddenLine xmlns="" xmlns:a14="http://schemas.microsoft.com/office/drawing/2010/main" w="9525">
                     <a:solidFill>
                       <a:srgbClr val="000000"/>
                     </a:solidFill>
@@ -10299,7 +10304,7 @@
               </a:ln>
               <a:extLst>
                 <a:ext uri="{91240B29-F687-4f45-9708-019B960494DF}">
-                  <a14:hiddenLine xmlns:a14="http://schemas.microsoft.com/office/drawing/2010/main" xmlns="" w="9525">
+                  <a14:hiddenLine xmlns="" xmlns:a14="http://schemas.microsoft.com/office/drawing/2010/main" w="9525">
                     <a:solidFill>
                       <a:srgbClr val="000000"/>
                     </a:solidFill>
@@ -10361,7 +10366,7 @@
               </a:ln>
               <a:extLst>
                 <a:ext uri="{91240B29-F687-4f45-9708-019B960494DF}">
-                  <a14:hiddenLine xmlns:a14="http://schemas.microsoft.com/office/drawing/2010/main" xmlns="" w="9525">
+                  <a14:hiddenLine xmlns="" xmlns:a14="http://schemas.microsoft.com/office/drawing/2010/main" w="9525">
                     <a:solidFill>
                       <a:srgbClr val="000000"/>
                     </a:solidFill>
@@ -10423,7 +10428,7 @@
               </a:ln>
               <a:extLst>
                 <a:ext uri="{91240B29-F687-4f45-9708-019B960494DF}">
-                  <a14:hiddenLine xmlns:a14="http://schemas.microsoft.com/office/drawing/2010/main" xmlns="" w="9525">
+                  <a14:hiddenLine xmlns="" xmlns:a14="http://schemas.microsoft.com/office/drawing/2010/main" w="9525">
                     <a:solidFill>
                       <a:srgbClr val="000000"/>
                     </a:solidFill>
@@ -10513,7 +10518,7 @@
               </a:ln>
               <a:extLst>
                 <a:ext uri="{91240B29-F687-4f45-9708-019B960494DF}">
-                  <a14:hiddenLine xmlns:a14="http://schemas.microsoft.com/office/drawing/2010/main" xmlns="" w="9525">
+                  <a14:hiddenLine xmlns="" xmlns:a14="http://schemas.microsoft.com/office/drawing/2010/main" w="9525">
                     <a:solidFill>
                       <a:srgbClr val="000000"/>
                     </a:solidFill>
@@ -10547,7 +10552,7 @@
               </a:ln>
               <a:extLst>
                 <a:ext uri="{91240B29-F687-4f45-9708-019B960494DF}">
-                  <a14:hiddenLine xmlns:a14="http://schemas.microsoft.com/office/drawing/2010/main" xmlns="" w="9525">
+                  <a14:hiddenLine xmlns="" xmlns:a14="http://schemas.microsoft.com/office/drawing/2010/main" w="9525">
                     <a:solidFill>
                       <a:srgbClr val="000000"/>
                     </a:solidFill>
@@ -10612,7 +10617,7 @@
               </a:ln>
               <a:extLst>
                 <a:ext uri="{91240B29-F687-4f45-9708-019B960494DF}">
-                  <a14:hiddenLine xmlns:a14="http://schemas.microsoft.com/office/drawing/2010/main" xmlns="" w="9525">
+                  <a14:hiddenLine xmlns="" xmlns:a14="http://schemas.microsoft.com/office/drawing/2010/main" w="9525">
                     <a:solidFill>
                       <a:srgbClr val="000000"/>
                     </a:solidFill>
@@ -10702,7 +10707,7 @@
               </a:ln>
               <a:extLst>
                 <a:ext uri="{91240B29-F687-4f45-9708-019B960494DF}">
-                  <a14:hiddenLine xmlns:a14="http://schemas.microsoft.com/office/drawing/2010/main" xmlns="" w="9525">
+                  <a14:hiddenLine xmlns="" xmlns:a14="http://schemas.microsoft.com/office/drawing/2010/main" w="9525">
                     <a:solidFill>
                       <a:srgbClr val="000000"/>
                     </a:solidFill>
@@ -10764,7 +10769,7 @@
               </a:ln>
               <a:extLst>
                 <a:ext uri="{91240B29-F687-4f45-9708-019B960494DF}">
-                  <a14:hiddenLine xmlns:a14="http://schemas.microsoft.com/office/drawing/2010/main" xmlns="" w="9525">
+                  <a14:hiddenLine xmlns="" xmlns:a14="http://schemas.microsoft.com/office/drawing/2010/main" w="9525">
                     <a:solidFill>
                       <a:srgbClr val="000000"/>
                     </a:solidFill>
@@ -10854,7 +10859,7 @@
               </a:ln>
               <a:extLst>
                 <a:ext uri="{91240B29-F687-4f45-9708-019B960494DF}">
-                  <a14:hiddenLine xmlns:a14="http://schemas.microsoft.com/office/drawing/2010/main" xmlns="" w="9525">
+                  <a14:hiddenLine xmlns="" xmlns:a14="http://schemas.microsoft.com/office/drawing/2010/main" w="9525">
                     <a:solidFill>
                       <a:srgbClr val="000000"/>
                     </a:solidFill>
@@ -10919,7 +10924,7 @@
               </a:ln>
               <a:extLst>
                 <a:ext uri="{91240B29-F687-4f45-9708-019B960494DF}">
-                  <a14:hiddenLine xmlns:a14="http://schemas.microsoft.com/office/drawing/2010/main" xmlns="" w="9525">
+                  <a14:hiddenLine xmlns="" xmlns:a14="http://schemas.microsoft.com/office/drawing/2010/main" w="9525">
                     <a:solidFill>
                       <a:srgbClr val="000000"/>
                     </a:solidFill>
@@ -10981,7 +10986,7 @@
               </a:ln>
               <a:extLst>
                 <a:ext uri="{91240B29-F687-4f45-9708-019B960494DF}">
-                  <a14:hiddenLine xmlns:a14="http://schemas.microsoft.com/office/drawing/2010/main" xmlns="" w="9525">
+                  <a14:hiddenLine xmlns="" xmlns:a14="http://schemas.microsoft.com/office/drawing/2010/main" w="9525">
                     <a:solidFill>
                       <a:srgbClr val="000000"/>
                     </a:solidFill>
@@ -11071,7 +11076,7 @@
               </a:ln>
               <a:extLst>
                 <a:ext uri="{91240B29-F687-4f45-9708-019B960494DF}">
-                  <a14:hiddenLine xmlns:a14="http://schemas.microsoft.com/office/drawing/2010/main" xmlns="" w="9525">
+                  <a14:hiddenLine xmlns="" xmlns:a14="http://schemas.microsoft.com/office/drawing/2010/main" w="9525">
                     <a:solidFill>
                       <a:srgbClr val="000000"/>
                     </a:solidFill>
@@ -11161,7 +11166,7 @@
               </a:ln>
               <a:extLst>
                 <a:ext uri="{91240B29-F687-4f45-9708-019B960494DF}">
-                  <a14:hiddenLine xmlns:a14="http://schemas.microsoft.com/office/drawing/2010/main" xmlns="" w="9525">
+                  <a14:hiddenLine xmlns="" xmlns:a14="http://schemas.microsoft.com/office/drawing/2010/main" w="9525">
                     <a:solidFill>
                       <a:srgbClr val="000000"/>
                     </a:solidFill>
@@ -11226,7 +11231,7 @@
               </a:ln>
               <a:extLst>
                 <a:ext uri="{91240B29-F687-4f45-9708-019B960494DF}">
-                  <a14:hiddenLine xmlns:a14="http://schemas.microsoft.com/office/drawing/2010/main" xmlns="" w="9525">
+                  <a14:hiddenLine xmlns="" xmlns:a14="http://schemas.microsoft.com/office/drawing/2010/main" w="9525">
                     <a:solidFill>
                       <a:srgbClr val="000000"/>
                     </a:solidFill>
@@ -11346,7 +11351,7 @@
               </a:ln>
               <a:extLst>
                 <a:ext uri="{91240B29-F687-4f45-9708-019B960494DF}">
-                  <a14:hiddenLine xmlns:a14="http://schemas.microsoft.com/office/drawing/2010/main" xmlns="" w="9525">
+                  <a14:hiddenLine xmlns="" xmlns:a14="http://schemas.microsoft.com/office/drawing/2010/main" w="9525">
                     <a:solidFill>
                       <a:srgbClr val="000000"/>
                     </a:solidFill>
@@ -11427,7 +11432,7 @@
               </a:ln>
               <a:extLst>
                 <a:ext uri="{91240B29-F687-4f45-9708-019B960494DF}">
-                  <a14:hiddenLine xmlns:a14="http://schemas.microsoft.com/office/drawing/2010/main" xmlns="" w="9525">
+                  <a14:hiddenLine xmlns="" xmlns:a14="http://schemas.microsoft.com/office/drawing/2010/main" w="9525">
                     <a:solidFill>
                       <a:srgbClr val="000000"/>
                     </a:solidFill>
@@ -11542,7 +11547,7 @@
               </a:ln>
               <a:extLst>
                 <a:ext uri="{91240B29-F687-4f45-9708-019B960494DF}">
-                  <a14:hiddenLine xmlns:a14="http://schemas.microsoft.com/office/drawing/2010/main" xmlns="" w="9525">
+                  <a14:hiddenLine xmlns="" xmlns:a14="http://schemas.microsoft.com/office/drawing/2010/main" w="9525">
                     <a:solidFill>
                       <a:srgbClr val="000000"/>
                     </a:solidFill>
@@ -11632,7 +11637,7 @@
               </a:ln>
               <a:extLst>
                 <a:ext uri="{91240B29-F687-4f45-9708-019B960494DF}">
-                  <a14:hiddenLine xmlns:a14="http://schemas.microsoft.com/office/drawing/2010/main" xmlns="" w="9525">
+                  <a14:hiddenLine xmlns="" xmlns:a14="http://schemas.microsoft.com/office/drawing/2010/main" w="9525">
                     <a:solidFill>
                       <a:srgbClr val="000000"/>
                     </a:solidFill>
@@ -11697,7 +11702,7 @@
               </a:ln>
               <a:extLst>
                 <a:ext uri="{91240B29-F687-4f45-9708-019B960494DF}">
-                  <a14:hiddenLine xmlns:a14="http://schemas.microsoft.com/office/drawing/2010/main" xmlns="" w="9525">
+                  <a14:hiddenLine xmlns="" xmlns:a14="http://schemas.microsoft.com/office/drawing/2010/main" w="9525">
                     <a:solidFill>
                       <a:srgbClr val="000000"/>
                     </a:solidFill>
@@ -11787,7 +11792,7 @@
               </a:ln>
               <a:extLst>
                 <a:ext uri="{91240B29-F687-4f45-9708-019B960494DF}">
-                  <a14:hiddenLine xmlns:a14="http://schemas.microsoft.com/office/drawing/2010/main" xmlns="" w="9525">
+                  <a14:hiddenLine xmlns="" xmlns:a14="http://schemas.microsoft.com/office/drawing/2010/main" w="9525">
                     <a:solidFill>
                       <a:srgbClr val="000000"/>
                     </a:solidFill>
@@ -11855,7 +11860,7 @@
               </a:ln>
               <a:extLst>
                 <a:ext uri="{91240B29-F687-4f45-9708-019B960494DF}">
-                  <a14:hiddenLine xmlns:a14="http://schemas.microsoft.com/office/drawing/2010/main" xmlns="" w="9525">
+                  <a14:hiddenLine xmlns="" xmlns:a14="http://schemas.microsoft.com/office/drawing/2010/main" w="9525">
                     <a:solidFill>
                       <a:srgbClr val="000000"/>
                     </a:solidFill>
@@ -11945,7 +11950,7 @@
               </a:ln>
               <a:extLst>
                 <a:ext uri="{91240B29-F687-4f45-9708-019B960494DF}">
-                  <a14:hiddenLine xmlns:a14="http://schemas.microsoft.com/office/drawing/2010/main" xmlns="" w="9525">
+                  <a14:hiddenLine xmlns="" xmlns:a14="http://schemas.microsoft.com/office/drawing/2010/main" w="9525">
                     <a:solidFill>
                       <a:srgbClr val="000000"/>
                     </a:solidFill>
@@ -12013,7 +12018,7 @@
               </a:ln>
               <a:extLst>
                 <a:ext uri="{91240B29-F687-4f45-9708-019B960494DF}">
-                  <a14:hiddenLine xmlns:a14="http://schemas.microsoft.com/office/drawing/2010/main" xmlns="" w="9525">
+                  <a14:hiddenLine xmlns="" xmlns:a14="http://schemas.microsoft.com/office/drawing/2010/main" w="9525">
                     <a:solidFill>
                       <a:srgbClr val="000000"/>
                     </a:solidFill>
@@ -12103,7 +12108,7 @@
               </a:ln>
               <a:extLst>
                 <a:ext uri="{91240B29-F687-4f45-9708-019B960494DF}">
-                  <a14:hiddenLine xmlns:a14="http://schemas.microsoft.com/office/drawing/2010/main" xmlns="" w="9525">
+                  <a14:hiddenLine xmlns="" xmlns:a14="http://schemas.microsoft.com/office/drawing/2010/main" w="9525">
                     <a:solidFill>
                       <a:srgbClr val="000000"/>
                     </a:solidFill>
@@ -12137,7 +12142,7 @@
               </a:ln>
               <a:extLst>
                 <a:ext uri="{91240B29-F687-4f45-9708-019B960494DF}">
-                  <a14:hiddenLine xmlns:a14="http://schemas.microsoft.com/office/drawing/2010/main" xmlns="" w="9525">
+                  <a14:hiddenLine xmlns="" xmlns:a14="http://schemas.microsoft.com/office/drawing/2010/main" w="9525">
                     <a:solidFill>
                       <a:srgbClr val="000000"/>
                     </a:solidFill>
@@ -12928,29 +12933,7 @@
                 <a:latin typeface="Times New Roman" panose="02020603050405020304" pitchFamily="18" charset="0"/>
                 <a:ea typeface="Times New Roman" panose="02020603050405020304" pitchFamily="18" charset="0"/>
               </a:rPr>
-              <a:t>AI emulation plays a crucial role in training algorithms and systems that power autonomous vehicles. By using realistic simulations, engineers can refine the </a:t>
-            </a:r>
-            <a:r>
-              <a:rPr lang="en-NZ" sz="1400" dirty="0" err="1">
-                <a:solidFill>
-                  <a:schemeClr val="tx1"/>
-                </a:solidFill>
-                <a:effectLst/>
-                <a:latin typeface="Times New Roman" panose="02020603050405020304" pitchFamily="18" charset="0"/>
-                <a:ea typeface="Times New Roman" panose="02020603050405020304" pitchFamily="18" charset="0"/>
-              </a:rPr>
-              <a:t>behavior</a:t>
-            </a:r>
-            <a:r>
-              <a:rPr lang="en-NZ" sz="1400" dirty="0">
-                <a:solidFill>
-                  <a:schemeClr val="tx1"/>
-                </a:solidFill>
-                <a:effectLst/>
-                <a:latin typeface="Times New Roman" panose="02020603050405020304" pitchFamily="18" charset="0"/>
-                <a:ea typeface="Times New Roman" panose="02020603050405020304" pitchFamily="18" charset="0"/>
-              </a:rPr>
-              <a:t> and decision-making capabilities of self-driving cars, trucks, and drones.</a:t>
+              <a:t>AI emulation plays a crucial role in training algorithms and systems that power autonomous vehicles. By using realistic simulations, engineers can refine the behaviour and decision-making capabilities of self-driving cars, trucks, and drones.</a:t>
             </a:r>
           </a:p>
           <a:p>
@@ -13375,8 +13358,8 @@
         </p:nvSpPr>
         <p:spPr>
           <a:xfrm>
-            <a:off x="417095" y="1066799"/>
-            <a:ext cx="11293642" cy="1532022"/>
+            <a:off x="1141413" y="1066799"/>
+            <a:ext cx="9905999" cy="1836822"/>
           </a:xfrm>
         </p:spPr>
         <p:txBody>
@@ -13388,21 +13371,13 @@
             </a:pPr>
             <a:r>
               <a:rPr lang="en-NZ" dirty="0"/>
-              <a:t>Damien – was in charge of putting together the presentation  and setting up the website.</a:t>
-            </a:r>
-          </a:p>
-          <a:p>
-            <a:pPr marL="0" indent="0">
-              <a:buNone/>
-            </a:pPr>
-            <a:r>
-              <a:rPr lang="en-NZ" dirty="0" err="1"/>
-              <a:t>Tajansh</a:t>
-            </a:r>
-            <a:r>
-              <a:rPr lang="en-NZ" dirty="0"/>
-              <a:t> – was in charge of getting the research together and helping set up the presentation.</a:t>
-            </a:r>
+              <a:t>Damien – was in charge of putting together </a:t>
+            </a:r>
+            <a:r>
+              <a:rPr lang="en-NZ"/>
+              <a:t>the presentation  </a:t>
+            </a:r>
+            <a:endParaRPr lang="en-NZ" dirty="0"/>
           </a:p>
         </p:txBody>
       </p:sp>
@@ -13411,7 +13386,7 @@
           <p:cNvPr id="4" name="TextBox 3">
             <a:extLst>
               <a:ext uri="{FF2B5EF4-FFF2-40B4-BE49-F238E27FC236}">
-                <a16:creationId xmlns:a16="http://schemas.microsoft.com/office/drawing/2014/main" id="{E848330C-4C74-4B12-90CD-3C5F0880EBCA}"/>
+                <a16:creationId xmlns:a16="http://schemas.microsoft.com/office/drawing/2014/main" id="{030DA296-EB2B-F9C3-999A-713B72F2F429}"/>
               </a:ext>
             </a:extLst>
           </p:cNvPr>
@@ -13420,8 +13395,8 @@
         </p:nvSpPr>
         <p:spPr>
           <a:xfrm>
-            <a:off x="417095" y="2839452"/>
-            <a:ext cx="10630316" cy="646331"/>
+            <a:off x="1141413" y="2675021"/>
+            <a:ext cx="9416716" cy="2469907"/>
           </a:xfrm>
           <a:prstGeom prst="rect">
             <a:avLst/>
@@ -13434,47 +13409,182 @@
           </a:bodyPr>
           <a:lstStyle/>
           <a:p>
-            <a:pPr algn="ctr"/>
-            <a:r>
-              <a:rPr lang="en-NZ" sz="3600" b="1" dirty="0"/>
-              <a:t>RESOURCES AND REFERENCES:</a:t>
-            </a:r>
-          </a:p>
-        </p:txBody>
-      </p:sp>
-      <p:sp>
-        <p:nvSpPr>
-          <p:cNvPr id="5" name="TextBox 4">
-            <a:extLst>
-              <a:ext uri="{FF2B5EF4-FFF2-40B4-BE49-F238E27FC236}">
-                <a16:creationId xmlns:a16="http://schemas.microsoft.com/office/drawing/2014/main" id="{E785A24D-0F6F-4860-8A10-239E9D3F79F5}"/>
-              </a:ext>
-            </a:extLst>
-          </p:cNvPr>
-          <p:cNvSpPr txBox="1"/>
-          <p:nvPr/>
-        </p:nvSpPr>
-        <p:spPr>
-          <a:xfrm>
-            <a:off x="176463" y="3485783"/>
-            <a:ext cx="11534274" cy="369332"/>
-          </a:xfrm>
-          <a:prstGeom prst="rect">
-            <a:avLst/>
-          </a:prstGeom>
-          <a:noFill/>
-        </p:spPr>
-        <p:txBody>
-          <a:bodyPr wrap="square" rtlCol="0">
-            <a:spAutoFit/>
-          </a:bodyPr>
-          <a:lstStyle/>
-          <a:p>
-            <a:r>
-              <a:rPr lang="en-NZ" dirty="0" err="1"/>
-              <a:t>sa</a:t>
-            </a:r>
-            <a:endParaRPr lang="en-NZ" dirty="0"/>
+            <a:r>
+              <a:rPr lang="en-NZ" dirty="0"/>
+              <a:t>References:</a:t>
+            </a:r>
+          </a:p>
+          <a:p>
+            <a:r>
+              <a:rPr lang="en-GB" sz="1050" dirty="0" err="1"/>
+              <a:t>Orlansky</a:t>
+            </a:r>
+            <a:r>
+              <a:rPr lang="en-GB" sz="1050" dirty="0"/>
+              <a:t>, J., &amp; String, J. (1981). Cost-effectiveness of maintenance simulators for military training. Institute for </a:t>
+            </a:r>
+            <a:r>
+              <a:rPr lang="en-GB" sz="1050" dirty="0" err="1"/>
+              <a:t>Defense</a:t>
+            </a:r>
+            <a:r>
+              <a:rPr lang="en-GB" sz="1050" dirty="0"/>
+              <a:t> Analyses Alexandria VA Science And Technology Div.</a:t>
+            </a:r>
+            <a:endParaRPr lang="en-NZ" sz="1050" dirty="0"/>
+          </a:p>
+          <a:p>
+            <a:r>
+              <a:rPr lang="en-NZ" sz="1050" dirty="0" err="1"/>
+              <a:t>Tolsgaard</a:t>
+            </a:r>
+            <a:r>
+              <a:rPr lang="en-NZ" sz="1050" dirty="0"/>
+              <a:t> MG, </a:t>
+            </a:r>
+            <a:r>
+              <a:rPr lang="en-NZ" sz="1050" dirty="0" err="1"/>
+              <a:t>Pusic</a:t>
+            </a:r>
+            <a:r>
+              <a:rPr lang="en-NZ" sz="1050" dirty="0"/>
+              <a:t> MV, </a:t>
+            </a:r>
+            <a:r>
+              <a:rPr lang="en-NZ" sz="1050" dirty="0" err="1"/>
+              <a:t>Sebok-Syer</a:t>
+            </a:r>
+            <a:r>
+              <a:rPr lang="en-NZ" sz="1050" dirty="0"/>
+              <a:t> SS, Gin B, Svendsen MB, </a:t>
+            </a:r>
+            <a:r>
+              <a:rPr lang="en-NZ" sz="1050" dirty="0" err="1"/>
+              <a:t>Syer</a:t>
+            </a:r>
+            <a:r>
+              <a:rPr lang="en-NZ" sz="1050" dirty="0"/>
+              <a:t> MD, </a:t>
+            </a:r>
+            <a:r>
+              <a:rPr lang="en-NZ" sz="1050" dirty="0" err="1"/>
+              <a:t>Brydges</a:t>
+            </a:r>
+            <a:r>
+              <a:rPr lang="en-NZ" sz="1050" dirty="0"/>
+              <a:t> R, Cuddy MM, </a:t>
+            </a:r>
+            <a:r>
+              <a:rPr lang="en-NZ" sz="1050" dirty="0" err="1"/>
+              <a:t>Boscardin</a:t>
+            </a:r>
+            <a:r>
+              <a:rPr lang="en-NZ" sz="1050" dirty="0"/>
+              <a:t> CK. The fundamentals of Artificial Intelligence in medical education research: AMEE Guide No. 156. Med Teach. 2023 Jun;45(6):565-573. </a:t>
+            </a:r>
+            <a:r>
+              <a:rPr lang="en-NZ" sz="1050" dirty="0" err="1"/>
+              <a:t>doi</a:t>
+            </a:r>
+            <a:r>
+              <a:rPr lang="en-NZ" sz="1050" dirty="0"/>
+              <a:t>: 10.1080/0142159X.2023.2180340. </a:t>
+            </a:r>
+            <a:r>
+              <a:rPr lang="en-NZ" sz="1050" dirty="0" err="1"/>
+              <a:t>Epub</a:t>
+            </a:r>
+            <a:r>
+              <a:rPr lang="en-NZ" sz="1050" dirty="0"/>
+              <a:t> 2023 Mar 2. PMID: 36862064.</a:t>
+            </a:r>
+          </a:p>
+          <a:p>
+            <a:r>
+              <a:rPr lang="en-GB" sz="1050" dirty="0"/>
+              <a:t>Fawkes, A. J. (2017, May). Developments in Artificial Intelligence: Opportunities and Challenges for Military </a:t>
+            </a:r>
+            <a:r>
+              <a:rPr lang="en-GB" sz="1050" dirty="0" err="1"/>
+              <a:t>Modeling</a:t>
+            </a:r>
+            <a:r>
+              <a:rPr lang="en-GB" sz="1050" dirty="0"/>
+              <a:t> and Simulation. In Proceedings of the 2017 NATO M&amp;S Symposium (pp. 11-1).</a:t>
+            </a:r>
+          </a:p>
+          <a:p>
+            <a:r>
+              <a:rPr lang="en-GB" sz="1050" dirty="0" err="1"/>
+              <a:t>Szabadföldi</a:t>
+            </a:r>
+            <a:r>
+              <a:rPr lang="en-GB" sz="1050" dirty="0"/>
+              <a:t>, I. (2021). Artificial Intelligence in Military Application–Opportunities and Challenges. Land Forces Academy Review, 26(2), 157-165.</a:t>
+            </a:r>
+          </a:p>
+          <a:p>
+            <a:r>
+              <a:rPr lang="en-GB" sz="1050" dirty="0" err="1"/>
+              <a:t>Meerveld</a:t>
+            </a:r>
+            <a:r>
+              <a:rPr lang="en-GB" sz="1050" dirty="0"/>
+              <a:t>, H. W., </a:t>
+            </a:r>
+            <a:r>
+              <a:rPr lang="en-GB" sz="1050" dirty="0" err="1"/>
+              <a:t>Lindelauf</a:t>
+            </a:r>
+            <a:r>
+              <a:rPr lang="en-GB" sz="1050" dirty="0"/>
+              <a:t>, R. H. A., Postma, E. O., &amp; Postma, M. (2023). The irresponsibility of not using AI in the military. Ethics and Information Technology, 25(1), 14.</a:t>
+            </a:r>
+          </a:p>
+          <a:p>
+            <a:r>
+              <a:rPr lang="en-GB" sz="1050" dirty="0"/>
+              <a:t>Hoadley, D. S., &amp; Lucas, N. J. (2018). Artificial intelligence and national security.</a:t>
+            </a:r>
+          </a:p>
+          <a:p>
+            <a:r>
+              <a:rPr lang="en-GB" sz="1050" dirty="0"/>
+              <a:t>Khan, F., Kumar, R. L., </a:t>
+            </a:r>
+            <a:r>
+              <a:rPr lang="en-GB" sz="1050" dirty="0" err="1"/>
+              <a:t>Kadry</a:t>
+            </a:r>
+            <a:r>
+              <a:rPr lang="en-GB" sz="1050" dirty="0"/>
+              <a:t>, S., Nam, Y., &amp; </a:t>
+            </a:r>
+            <a:r>
+              <a:rPr lang="en-GB" sz="1050" dirty="0" err="1"/>
+              <a:t>Meqdad</a:t>
+            </a:r>
+            <a:r>
+              <a:rPr lang="en-GB" sz="1050" dirty="0"/>
+              <a:t>, M. N. (2021). Autonomous vehicles: A study of implementation and security. International Journal of Electrical &amp; Computer Engineering (2088-8708), 11(4).</a:t>
+            </a:r>
+          </a:p>
+          <a:p>
+            <a:r>
+              <a:rPr lang="en-GB" sz="1050" dirty="0"/>
+              <a:t>Horowitz, M. C. (2018). Artificial intelligence, international competition, and the balance of power. 2018, 22.</a:t>
+            </a:r>
+          </a:p>
+          <a:p>
+            <a:r>
+              <a:rPr lang="en-GB" sz="1050" dirty="0" err="1"/>
+              <a:t>Dinicu</a:t>
+            </a:r>
+            <a:r>
+              <a:rPr lang="en-GB" sz="1050" dirty="0"/>
+              <a:t>, A. (2022). A New Global Competition is on the Rise. Artificial Intelligence as a Means of Gaining a Competitive Military Advantage. Land Forces Academy Review, 27(4), 368-375.</a:t>
+            </a:r>
+            <a:endParaRPr lang="en-NZ" sz="1050" dirty="0"/>
           </a:p>
         </p:txBody>
       </p:sp>
